--- a/src/main/resources/assets/ppt/worship.pptx
+++ b/src/main/resources/assets/ppt/worship.pptx
@@ -275,7 +275,7 @@
             </a:pPr>
             <a:fld id="{C5F1BE8E-D059-4C33-BD06-D860220E4118}" type="datetimeFigureOut">
               <a:rPr lang="ja-JP" altLang="en-US"/>
-              <a:t>2022/9/2</a:t>
+              <a:t>2022/9/4</a:t>
             </a:fld>
             <a:endParaRPr lang="en-US" altLang="ja-JP"/>
           </a:p>
@@ -476,7 +476,7 @@
             </a:pPr>
             <a:fld id="{0AB0CB7E-2DCC-4E2A-A36A-77D4EE5194F1}" type="datetimeFigureOut">
               <a:rPr lang="zh-CN" altLang="en-US"/>
-              <a:t>2022/9/2</a:t>
+              <a:t>2022/9/4</a:t>
             </a:fld>
             <a:endParaRPr lang="zh-CN" altLang="en-US"/>
           </a:p>
@@ -991,9 +991,6 @@
   <p:clrMapOvr>
     <a:masterClrMapping/>
   </p:clrMapOvr>
-  <p:transition spd="med">
-    <p:fade/>
-  </p:transition>
 </p:sldLayout>
 </file>
 
@@ -1586,9 +1583,6 @@
   <p:clrMapOvr>
     <a:masterClrMapping/>
   </p:clrMapOvr>
-  <p:transition spd="med">
-    <p:fade/>
-  </p:transition>
 </p:sldLayout>
 </file>
 
@@ -1990,9 +1984,6 @@
   <p:clrMapOvr>
     <a:masterClrMapping/>
   </p:clrMapOvr>
-  <p:transition spd="med">
-    <p:fade/>
-  </p:transition>
 </p:sldLayout>
 </file>
 
@@ -2459,9 +2450,6 @@
   <p:clrMapOvr>
     <a:masterClrMapping/>
   </p:clrMapOvr>
-  <p:transition spd="med">
-    <p:fade/>
-  </p:transition>
 </p:sldLayout>
 </file>
 
@@ -2850,9 +2838,6 @@
   <p:clrMapOvr>
     <a:masterClrMapping/>
   </p:clrMapOvr>
-  <p:transition spd="med">
-    <p:fade/>
-  </p:transition>
 </p:sldLayout>
 </file>
 
@@ -3319,9 +3304,6 @@
   <p:clrMapOvr>
     <a:masterClrMapping/>
   </p:clrMapOvr>
-  <p:transition spd="med">
-    <p:fade/>
-  </p:transition>
 </p:sldLayout>
 </file>
 
@@ -3742,9 +3724,6 @@
   <p:clrMapOvr>
     <a:masterClrMapping/>
   </p:clrMapOvr>
-  <p:transition spd="med">
-    <p:fade/>
-  </p:transition>
 </p:sldLayout>
 </file>
 
@@ -4145,7 +4124,13 @@
         <p:txBody>
           <a:bodyPr/>
           <a:lstStyle>
-            <a:lvl1pPr marL="0" indent="0" eaLnBrk="1">
+            <a:lvl1pPr marL="0" indent="0" eaLnBrk="1" hangingPunct="1">
+              <a:lnSpc>
+                <a:spcPct val="120000"/>
+              </a:lnSpc>
+              <a:spcBef>
+                <a:spcPts val="0"/>
+              </a:spcBef>
               <a:buNone/>
               <a:defRPr b="1">
                 <a:solidFill>
@@ -4250,9 +4235,6 @@
   <p:clrMapOvr>
     <a:masterClrMapping/>
   </p:clrMapOvr>
-  <p:transition spd="med">
-    <p:fade/>
-  </p:transition>
 </p:sldLayout>
 </file>
 
@@ -4616,16 +4598,18 @@
         <p:spPr>
           <a:xfrm>
             <a:off x="247650" y="888682"/>
-            <a:ext cx="11779250" cy="5760091"/>
+            <a:ext cx="11779250" cy="738664"/>
           </a:xfrm>
           <a:prstGeom prst="rect">
             <a:avLst/>
           </a:prstGeom>
         </p:spPr>
         <p:txBody>
-          <a:bodyPr/>
+          <a:bodyPr>
+            <a:spAutoFit/>
+          </a:bodyPr>
           <a:lstStyle>
-            <a:lvl1pPr marL="0" indent="0" eaLnBrk="1" fontAlgn="t">
+            <a:lvl1pPr marL="0" indent="0" eaLnBrk="1" fontAlgn="t" hangingPunct="1">
               <a:lnSpc>
                 <a:spcPct val="150000"/>
               </a:lnSpc>
@@ -4661,9 +4645,6 @@
   <p:clrMapOvr>
     <a:masterClrMapping/>
   </p:clrMapOvr>
-  <p:transition spd="med">
-    <p:fade/>
-  </p:transition>
 </p:sldLayout>
 </file>
 
@@ -4963,9 +4944,6 @@
   <p:clrMapOvr>
     <a:masterClrMapping/>
   </p:clrMapOvr>
-  <p:transition spd="med">
-    <p:fade/>
-  </p:transition>
 </p:sldLayout>
 </file>
 
@@ -5358,9 +5336,6 @@
   <p:clrMapOvr>
     <a:masterClrMapping/>
   </p:clrMapOvr>
-  <p:transition spd="med">
-    <p:fade/>
-  </p:transition>
 </p:sldLayout>
 </file>
 
@@ -5549,9 +5524,6 @@
   <p:clrMapOvr>
     <a:masterClrMapping/>
   </p:clrMapOvr>
-  <p:transition spd="med">
-    <p:fade/>
-  </p:transition>
 </p:sldLayout>
 </file>
 
@@ -6113,9 +6085,6 @@
   <p:clrMapOvr>
     <a:masterClrMapping/>
   </p:clrMapOvr>
-  <p:transition spd="med">
-    <p:fade/>
-  </p:transition>
 </p:sldLayout>
 </file>
 
@@ -6549,9 +6518,6 @@
   <p:clrMapOvr>
     <a:masterClrMapping/>
   </p:clrMapOvr>
-  <p:transition spd="med">
-    <p:fade/>
-  </p:transition>
 </p:sldLayout>
 </file>
 
@@ -6920,9 +6886,6 @@
   <p:clrMapOvr>
     <a:masterClrMapping/>
   </p:clrMapOvr>
-  <p:transition spd="med">
-    <p:fade/>
-  </p:transition>
 </p:sldLayout>
 </file>
 
@@ -7306,9 +7269,6 @@
   <p:clrMapOvr>
     <a:masterClrMapping/>
   </p:clrMapOvr>
-  <p:transition spd="med">
-    <p:fade/>
-  </p:transition>
 </p:sldLayout>
 </file>
 
@@ -8114,9 +8074,6 @@
   <p:clrMapOvr>
     <a:masterClrMapping/>
   </p:clrMapOvr>
-  <p:transition spd="med">
-    <p:fade/>
-  </p:transition>
 </p:sldLayout>
 </file>
 
@@ -8559,9 +8516,6 @@
   <p:clrMapOvr>
     <a:masterClrMapping/>
   </p:clrMapOvr>
-  <p:transition spd="med">
-    <p:fade/>
-  </p:transition>
 </p:sldLayout>
 </file>
 
@@ -9196,9 +9150,6 @@
   <p:clrMapOvr>
     <a:masterClrMapping/>
   </p:clrMapOvr>
-  <p:transition spd="med">
-    <p:fade/>
-  </p:transition>
 </p:sldLayout>
 </file>
 
@@ -9572,9 +9523,6 @@
   <p:clrMapOvr>
     <a:masterClrMapping/>
   </p:clrMapOvr>
-  <p:transition spd="med">
-    <p:fade/>
-  </p:transition>
 </p:sldLayout>
 </file>
 
@@ -10527,9 +10475,6 @@
   <p:clrMapOvr>
     <a:masterClrMapping/>
   </p:clrMapOvr>
-  <p:transition spd="med">
-    <p:fade/>
-  </p:transition>
 </p:sldLayout>
 </file>
 
@@ -11039,9 +10984,6 @@
   <p:clrMapOvr>
     <a:masterClrMapping/>
   </p:clrMapOvr>
-  <p:transition spd="med">
-    <p:fade/>
-  </p:transition>
 </p:sldLayout>
 </file>
 
@@ -11615,9 +11557,6 @@
   <p:clrMapOvr>
     <a:masterClrMapping/>
   </p:clrMapOvr>
-  <p:transition spd="med">
-    <p:fade/>
-  </p:transition>
 </p:sldLayout>
 </file>
 
@@ -12029,9 +11968,6 @@
   <p:clrMapOvr>
     <a:masterClrMapping/>
   </p:clrMapOvr>
-  <p:transition spd="med">
-    <p:fade/>
-  </p:transition>
 </p:sldLayout>
 </file>
 
@@ -12661,9 +12597,6 @@
   <p:clrMapOvr>
     <a:masterClrMapping/>
   </p:clrMapOvr>
-  <p:transition spd="med">
-    <p:fade/>
-  </p:transition>
 </p:sldLayout>
 </file>
 
@@ -12959,9 +12892,6 @@
   <p:clrMapOvr>
     <a:masterClrMapping/>
   </p:clrMapOvr>
-  <p:transition spd="med">
-    <p:fade/>
-  </p:transition>
 </p:sldLayout>
 </file>
 
@@ -13493,9 +13423,6 @@
   <p:clrMapOvr>
     <a:masterClrMapping/>
   </p:clrMapOvr>
-  <p:transition spd="med">
-    <p:fade/>
-  </p:transition>
 </p:sldLayout>
 </file>
 
@@ -13819,9 +13746,6 @@
   <p:clrMapOvr>
     <a:masterClrMapping/>
   </p:clrMapOvr>
-  <p:transition spd="med">
-    <p:fade/>
-  </p:transition>
 </p:sldLayout>
 </file>
 
@@ -14203,9 +14127,6 @@
   <p:clrMapOvr>
     <a:masterClrMapping/>
   </p:clrMapOvr>
-  <p:transition spd="med">
-    <p:fade/>
-  </p:transition>
 </p:sldLayout>
 </file>
 
@@ -14572,9 +14493,6 @@
   <p:clrMapOvr>
     <a:masterClrMapping/>
   </p:clrMapOvr>
-  <p:transition spd="med">
-    <p:fade/>
-  </p:transition>
 </p:sldLayout>
 </file>
 
@@ -14951,9 +14869,6 @@
   <p:clrMapOvr>
     <a:masterClrMapping/>
   </p:clrMapOvr>
-  <p:transition spd="med">
-    <p:fade/>
-  </p:transition>
 </p:sldLayout>
 </file>
 
@@ -15301,9 +15216,6 @@
   <p:clrMapOvr>
     <a:masterClrMapping/>
   </p:clrMapOvr>
-  <p:transition spd="med">
-    <p:fade/>
-  </p:transition>
 </p:sldLayout>
 </file>
 
@@ -15631,9 +15543,6 @@
   <p:clrMapOvr>
     <a:masterClrMapping/>
   </p:clrMapOvr>
-  <p:transition spd="med">
-    <p:fade/>
-  </p:transition>
 </p:sldLayout>
 </file>
 
@@ -16089,9 +15998,6 @@
   <p:clrMapOvr>
     <a:masterClrMapping/>
   </p:clrMapOvr>
-  <p:transition spd="med">
-    <p:fade/>
-  </p:transition>
 </p:sldLayout>
 </file>
 
@@ -16419,9 +16325,6 @@
   <p:clrMapOvr>
     <a:masterClrMapping/>
   </p:clrMapOvr>
-  <p:transition spd="med">
-    <p:fade/>
-  </p:transition>
 </p:sldLayout>
 </file>
 
@@ -16981,9 +16884,6 @@
   <p:clrMapOvr>
     <a:masterClrMapping/>
   </p:clrMapOvr>
-  <p:transition spd="med">
-    <p:fade/>
-  </p:transition>
 </p:sldLayout>
 </file>
 
@@ -17295,9 +17195,6 @@
   <p:clrMapOvr>
     <a:masterClrMapping/>
   </p:clrMapOvr>
-  <p:transition spd="med">
-    <p:fade/>
-  </p:transition>
 </p:sldLayout>
 </file>
 
@@ -17609,9 +17506,6 @@
   <p:clrMapOvr>
     <a:masterClrMapping/>
   </p:clrMapOvr>
-  <p:transition spd="med">
-    <p:fade/>
-  </p:transition>
 </p:sldLayout>
 </file>
 
@@ -17943,9 +17837,6 @@
   <p:clrMapOvr>
     <a:masterClrMapping/>
   </p:clrMapOvr>
-  <p:transition spd="med">
-    <p:fade/>
-  </p:transition>
 </p:sldLayout>
 </file>
 
@@ -18300,9 +18191,6 @@
   <p:clrMapOvr>
     <a:masterClrMapping/>
   </p:clrMapOvr>
-  <p:transition spd="med">
-    <p:fade/>
-  </p:transition>
 </p:sldLayout>
 </file>
 
@@ -18608,9 +18496,6 @@
   <p:clrMapOvr>
     <a:masterClrMapping/>
   </p:clrMapOvr>
-  <p:transition spd="med">
-    <p:fade/>
-  </p:transition>
 </p:sldLayout>
 </file>
 
@@ -19335,9 +19220,6 @@
   <p:clrMapOvr>
     <a:masterClrMapping/>
   </p:clrMapOvr>
-  <p:transition spd="med">
-    <p:fade/>
-  </p:transition>
 </p:sldLayout>
 </file>
 
@@ -20016,9 +19898,6 @@
   <p:clrMapOvr>
     <a:masterClrMapping/>
   </p:clrMapOvr>
-  <p:transition spd="med">
-    <p:fade/>
-  </p:transition>
 </p:sldLayout>
 </file>
 
@@ -20542,9 +20421,6 @@
   <p:clrMapOvr>
     <a:masterClrMapping/>
   </p:clrMapOvr>
-  <p:transition spd="med">
-    <p:fade/>
-  </p:transition>
 </p:sldLayout>
 </file>
 
@@ -20635,9 +20511,6 @@
     <p:sldLayoutId id="2147483695" r:id="rId43"/>
     <p:sldLayoutId id="2147483726" r:id="rId44"/>
   </p:sldLayoutIdLst>
-  <p:transition spd="med">
-    <p:fade/>
-  </p:transition>
   <p:hf hdr="0"/>
   <p:txStyles>
     <p:titleStyle>
